--- a/paper_notes/compiler-stuffs/Code-optimizations/images/dmxpy.pptx
+++ b/paper_notes/compiler-stuffs/Code-optimizations/images/dmxpy.pptx
@@ -270,7 +270,7 @@
           <a:p>
             <a:fld id="{46039F5D-8294-FD41-81C0-2B87D74A3500}" type="datetimeFigureOut">
               <a:rPr kumimoji="1" lang="zh-CN" altLang="en-US" smtClean="0"/>
-              <a:t>2019/10/17</a:t>
+              <a:t>2019/10/22</a:t>
             </a:fld>
             <a:endParaRPr kumimoji="1" lang="zh-CN" altLang="en-US"/>
           </a:p>
@@ -443,7 +443,7 @@
           <a:p>
             <a:fld id="{46039F5D-8294-FD41-81C0-2B87D74A3500}" type="datetimeFigureOut">
               <a:rPr kumimoji="1" lang="zh-CN" altLang="en-US" smtClean="0"/>
-              <a:t>2019/10/17</a:t>
+              <a:t>2019/10/22</a:t>
             </a:fld>
             <a:endParaRPr kumimoji="1" lang="zh-CN" altLang="en-US"/>
           </a:p>
@@ -626,7 +626,7 @@
           <a:p>
             <a:fld id="{46039F5D-8294-FD41-81C0-2B87D74A3500}" type="datetimeFigureOut">
               <a:rPr kumimoji="1" lang="zh-CN" altLang="en-US" smtClean="0"/>
-              <a:t>2019/10/17</a:t>
+              <a:t>2019/10/22</a:t>
             </a:fld>
             <a:endParaRPr kumimoji="1" lang="zh-CN" altLang="en-US"/>
           </a:p>
@@ -799,7 +799,7 @@
           <a:p>
             <a:fld id="{46039F5D-8294-FD41-81C0-2B87D74A3500}" type="datetimeFigureOut">
               <a:rPr kumimoji="1" lang="zh-CN" altLang="en-US" smtClean="0"/>
-              <a:t>2019/10/17</a:t>
+              <a:t>2019/10/22</a:t>
             </a:fld>
             <a:endParaRPr kumimoji="1" lang="zh-CN" altLang="en-US"/>
           </a:p>
@@ -1077,7 +1077,7 @@
           <a:p>
             <a:fld id="{46039F5D-8294-FD41-81C0-2B87D74A3500}" type="datetimeFigureOut">
               <a:rPr kumimoji="1" lang="zh-CN" altLang="en-US" smtClean="0"/>
-              <a:t>2019/10/17</a:t>
+              <a:t>2019/10/22</a:t>
             </a:fld>
             <a:endParaRPr kumimoji="1" lang="zh-CN" altLang="en-US"/>
           </a:p>
@@ -1292,7 +1292,7 @@
           <a:p>
             <a:fld id="{46039F5D-8294-FD41-81C0-2B87D74A3500}" type="datetimeFigureOut">
               <a:rPr kumimoji="1" lang="zh-CN" altLang="en-US" smtClean="0"/>
-              <a:t>2019/10/17</a:t>
+              <a:t>2019/10/22</a:t>
             </a:fld>
             <a:endParaRPr kumimoji="1" lang="zh-CN" altLang="en-US"/>
           </a:p>
@@ -1660,7 +1660,7 @@
           <a:p>
             <a:fld id="{46039F5D-8294-FD41-81C0-2B87D74A3500}" type="datetimeFigureOut">
               <a:rPr kumimoji="1" lang="zh-CN" altLang="en-US" smtClean="0"/>
-              <a:t>2019/10/17</a:t>
+              <a:t>2019/10/22</a:t>
             </a:fld>
             <a:endParaRPr kumimoji="1" lang="zh-CN" altLang="en-US"/>
           </a:p>
@@ -1801,7 +1801,7 @@
           <a:p>
             <a:fld id="{46039F5D-8294-FD41-81C0-2B87D74A3500}" type="datetimeFigureOut">
               <a:rPr kumimoji="1" lang="zh-CN" altLang="en-US" smtClean="0"/>
-              <a:t>2019/10/17</a:t>
+              <a:t>2019/10/22</a:t>
             </a:fld>
             <a:endParaRPr kumimoji="1" lang="zh-CN" altLang="en-US"/>
           </a:p>
@@ -1914,7 +1914,7 @@
           <a:p>
             <a:fld id="{46039F5D-8294-FD41-81C0-2B87D74A3500}" type="datetimeFigureOut">
               <a:rPr kumimoji="1" lang="zh-CN" altLang="en-US" smtClean="0"/>
-              <a:t>2019/10/17</a:t>
+              <a:t>2019/10/22</a:t>
             </a:fld>
             <a:endParaRPr kumimoji="1" lang="zh-CN" altLang="en-US"/>
           </a:p>
@@ -2203,7 +2203,7 @@
           <a:p>
             <a:fld id="{46039F5D-8294-FD41-81C0-2B87D74A3500}" type="datetimeFigureOut">
               <a:rPr kumimoji="1" lang="zh-CN" altLang="en-US" smtClean="0"/>
-              <a:t>2019/10/17</a:t>
+              <a:t>2019/10/22</a:t>
             </a:fld>
             <a:endParaRPr kumimoji="1" lang="zh-CN" altLang="en-US"/>
           </a:p>
@@ -2494,7 +2494,7 @@
           <a:p>
             <a:fld id="{46039F5D-8294-FD41-81C0-2B87D74A3500}" type="datetimeFigureOut">
               <a:rPr kumimoji="1" lang="zh-CN" altLang="en-US" smtClean="0"/>
-              <a:t>2019/10/17</a:t>
+              <a:t>2019/10/22</a:t>
             </a:fld>
             <a:endParaRPr kumimoji="1" lang="zh-CN" altLang="en-US"/>
           </a:p>
@@ -2710,7 +2710,7 @@
           <a:p>
             <a:fld id="{46039F5D-8294-FD41-81C0-2B87D74A3500}" type="datetimeFigureOut">
               <a:rPr kumimoji="1" lang="zh-CN" altLang="en-US" smtClean="0"/>
-              <a:t>2019/10/17</a:t>
+              <a:t>2019/10/22</a:t>
             </a:fld>
             <a:endParaRPr kumimoji="1" lang="zh-CN" altLang="en-US"/>
           </a:p>
@@ -3368,7 +3368,7 @@
                 <a:latin typeface="Calibri" panose="020F0502020204030204" pitchFamily="34" charset="0"/>
                 <a:cs typeface="Calibri" panose="020F0502020204030204" pitchFamily="34" charset="0"/>
               </a:rPr>
-              <a:t>2</a:t>
+              <a:t>1</a:t>
             </a:r>
             <a:endParaRPr kumimoji="1" lang="zh-CN" altLang="en-US" i="1" baseline="-25000" dirty="0">
               <a:latin typeface="Calibri" panose="020F0502020204030204" pitchFamily="34" charset="0"/>
@@ -3507,7 +3507,7 @@
         </p:nvCxnSpPr>
         <p:spPr>
           <a:xfrm>
-            <a:off x="6744830" y="3096285"/>
+            <a:off x="6736121" y="3096285"/>
             <a:ext cx="0" cy="244444"/>
           </a:xfrm>
           <a:prstGeom prst="line">
@@ -3594,7 +3594,7 @@
         <p:spPr>
           <a:xfrm>
             <a:off x="5017807" y="3173242"/>
-            <a:ext cx="1717970" cy="369332"/>
+            <a:ext cx="1680086" cy="369332"/>
           </a:xfrm>
           <a:prstGeom prst="rect">
             <a:avLst/>
@@ -3620,7 +3620,7 @@
                 <a:latin typeface="Calibri" panose="020F0502020204030204" pitchFamily="34" charset="0"/>
                 <a:cs typeface="Calibri" panose="020F0502020204030204" pitchFamily="34" charset="0"/>
               </a:rPr>
-              <a:t>1</a:t>
+              <a:t>2</a:t>
             </a:r>
             <a:endParaRPr kumimoji="1" lang="zh-CN" altLang="en-US" i="1" baseline="-25000" dirty="0">
               <a:latin typeface="Calibri" panose="020F0502020204030204" pitchFamily="34" charset="0"/>
@@ -3643,8 +3643,8 @@
         </p:nvSpPr>
         <p:spPr>
           <a:xfrm rot="5400000">
-            <a:off x="7551089" y="1730088"/>
-            <a:ext cx="1717970" cy="2331707"/>
+            <a:off x="6969328" y="2149319"/>
+            <a:ext cx="2331721" cy="1717971"/>
           </a:xfrm>
           <a:prstGeom prst="rect">
             <a:avLst/>
@@ -3694,49 +3694,6 @@
           </a:p>
         </p:txBody>
       </p:sp>
-      <p:sp>
-        <p:nvSpPr>
-          <p:cNvPr id="18" name="文本框 17">
-            <a:extLst>
-              <a:ext uri="{FF2B5EF4-FFF2-40B4-BE49-F238E27FC236}">
-                <a16:creationId xmlns:a16="http://schemas.microsoft.com/office/drawing/2014/main" id="{524721BE-EB78-8148-A66B-58864F951197}"/>
-              </a:ext>
-            </a:extLst>
-          </p:cNvPr>
-          <p:cNvSpPr txBox="1"/>
-          <p:nvPr/>
-        </p:nvSpPr>
-        <p:spPr>
-          <a:xfrm>
-            <a:off x="7244219" y="2648241"/>
-            <a:ext cx="2331708" cy="369332"/>
-          </a:xfrm>
-          <a:prstGeom prst="rect">
-            <a:avLst/>
-          </a:prstGeom>
-          <a:noFill/>
-        </p:spPr>
-        <p:txBody>
-          <a:bodyPr wrap="square" rtlCol="0">
-            <a:spAutoFit/>
-          </a:bodyPr>
-          <a:lstStyle/>
-          <a:p>
-            <a:pPr algn="ctr"/>
-            <a:r>
-              <a:rPr kumimoji="1" lang="en-US" altLang="zh-CN" i="1" dirty="0">
-                <a:latin typeface="Calibri" panose="020F0502020204030204" pitchFamily="34" charset="0"/>
-                <a:cs typeface="Calibri" panose="020F0502020204030204" pitchFamily="34" charset="0"/>
-              </a:rPr>
-              <a:t>m</a:t>
-            </a:r>
-            <a:endParaRPr kumimoji="1" lang="zh-CN" altLang="en-US" i="1" dirty="0">
-              <a:latin typeface="Calibri" panose="020F0502020204030204" pitchFamily="34" charset="0"/>
-              <a:cs typeface="Calibri" panose="020F0502020204030204" pitchFamily="34" charset="0"/>
-            </a:endParaRPr>
-          </a:p>
-        </p:txBody>
-      </p:sp>
       <p:cxnSp>
         <p:nvCxnSpPr>
           <p:cNvPr id="20" name="直线连接符 19">
@@ -3751,7 +3708,7 @@
         </p:nvCxnSpPr>
         <p:spPr>
           <a:xfrm>
-            <a:off x="9575927" y="2036956"/>
+            <a:off x="8994175" y="1842443"/>
             <a:ext cx="301404" cy="0"/>
           </a:xfrm>
           <a:prstGeom prst="line">
@@ -3792,7 +3749,7 @@
         </p:nvCxnSpPr>
         <p:spPr>
           <a:xfrm>
-            <a:off x="9575927" y="3754927"/>
+            <a:off x="8994175" y="4174165"/>
             <a:ext cx="301404" cy="0"/>
           </a:xfrm>
           <a:prstGeom prst="line">
@@ -3828,13 +3785,15 @@
               </a:ext>
             </a:extLst>
           </p:cNvPr>
-          <p:cNvCxnSpPr/>
+          <p:cNvCxnSpPr>
+            <a:cxnSpLocks/>
+          </p:cNvCxnSpPr>
           <p:nvPr/>
         </p:nvCxnSpPr>
         <p:spPr>
           <a:xfrm>
-            <a:off x="9750582" y="2036956"/>
-            <a:ext cx="0" cy="1717971"/>
+            <a:off x="9180585" y="1842444"/>
+            <a:ext cx="0" cy="2331721"/>
           </a:xfrm>
           <a:prstGeom prst="line">
             <a:avLst/>
@@ -3876,7 +3835,7 @@
         </p:nvCxnSpPr>
         <p:spPr>
           <a:xfrm>
-            <a:off x="7235166" y="1801640"/>
+            <a:off x="7267149" y="1607128"/>
             <a:ext cx="0" cy="235316"/>
           </a:xfrm>
           <a:prstGeom prst="line">
@@ -3917,7 +3876,7 @@
         </p:nvCxnSpPr>
         <p:spPr>
           <a:xfrm>
-            <a:off x="9575859" y="1801640"/>
+            <a:off x="8999314" y="1607128"/>
             <a:ext cx="0" cy="235316"/>
           </a:xfrm>
           <a:prstGeom prst="line">
@@ -3953,13 +3912,15 @@
               </a:ext>
             </a:extLst>
           </p:cNvPr>
-          <p:cNvCxnSpPr/>
+          <p:cNvCxnSpPr>
+            <a:cxnSpLocks/>
+          </p:cNvCxnSpPr>
           <p:nvPr/>
         </p:nvCxnSpPr>
         <p:spPr>
           <a:xfrm>
-            <a:off x="7244219" y="1874067"/>
-            <a:ext cx="2331640" cy="0"/>
+            <a:off x="7276202" y="1679555"/>
+            <a:ext cx="1717973" cy="0"/>
           </a:xfrm>
           <a:prstGeom prst="line">
             <a:avLst/>
@@ -4001,7 +3962,7 @@
         </p:nvSpPr>
         <p:spPr>
           <a:xfrm>
-            <a:off x="9741228" y="2626162"/>
+            <a:off x="9175444" y="2767723"/>
             <a:ext cx="455015" cy="369332"/>
           </a:xfrm>
           <a:prstGeom prst="rect">
@@ -4051,8 +4012,8 @@
         </p:nvSpPr>
         <p:spPr>
           <a:xfrm>
-            <a:off x="7212236" y="1465204"/>
-            <a:ext cx="2331707" cy="369332"/>
+            <a:off x="7244219" y="1270692"/>
+            <a:ext cx="1749955" cy="369332"/>
           </a:xfrm>
           <a:prstGeom prst="rect">
             <a:avLst/>
@@ -4167,6 +4128,72 @@
               <a:t>*</a:t>
             </a:r>
             <a:endParaRPr kumimoji="1" lang="zh-CN" altLang="en-US" i="1" baseline="-25000" dirty="0">
+              <a:latin typeface="Calibri" panose="020F0502020204030204" pitchFamily="34" charset="0"/>
+              <a:cs typeface="Calibri" panose="020F0502020204030204" pitchFamily="34" charset="0"/>
+            </a:endParaRPr>
+          </a:p>
+        </p:txBody>
+      </p:sp>
+      <p:sp>
+        <p:nvSpPr>
+          <p:cNvPr id="35" name="矩形 34">
+            <a:extLst>
+              <a:ext uri="{FF2B5EF4-FFF2-40B4-BE49-F238E27FC236}">
+                <a16:creationId xmlns:a16="http://schemas.microsoft.com/office/drawing/2014/main" id="{7B7B4B75-4B10-2842-825D-73143264A534}"/>
+              </a:ext>
+            </a:extLst>
+          </p:cNvPr>
+          <p:cNvSpPr/>
+          <p:nvPr/>
+        </p:nvSpPr>
+        <p:spPr>
+          <a:xfrm>
+            <a:off x="7393032" y="2746451"/>
+            <a:ext cx="1452328" cy="396240"/>
+          </a:xfrm>
+          <a:prstGeom prst="rect">
+            <a:avLst/>
+          </a:prstGeom>
+          <a:noFill/>
+          <a:ln w="31750">
+            <a:noFill/>
+          </a:ln>
+        </p:spPr>
+        <p:style>
+          <a:lnRef idx="2">
+            <a:schemeClr val="accent1">
+              <a:shade val="50000"/>
+            </a:schemeClr>
+          </a:lnRef>
+          <a:fillRef idx="1">
+            <a:schemeClr val="accent1"/>
+          </a:fillRef>
+          <a:effectRef idx="0">
+            <a:schemeClr val="accent1"/>
+          </a:effectRef>
+          <a:fontRef idx="minor">
+            <a:schemeClr val="lt1"/>
+          </a:fontRef>
+        </p:style>
+        <p:txBody>
+          <a:bodyPr rtlCol="0" anchor="ctr"/>
+          <a:lstStyle/>
+          <a:p>
+            <a:pPr algn="ctr"/>
+            <a:r>
+              <a:rPr kumimoji="1" lang="en-US" altLang="zh-CN" i="1" dirty="0">
+                <a:solidFill>
+                  <a:schemeClr val="tx1"/>
+                </a:solidFill>
+                <a:latin typeface="Calibri" panose="020F0502020204030204" pitchFamily="34" charset="0"/>
+                <a:cs typeface="Calibri" panose="020F0502020204030204" pitchFamily="34" charset="0"/>
+              </a:rPr>
+              <a:t>m</a:t>
+            </a:r>
+            <a:endParaRPr kumimoji="1" lang="zh-CN" altLang="en-US" i="1" dirty="0">
+              <a:solidFill>
+                <a:schemeClr val="tx1"/>
+              </a:solidFill>
               <a:latin typeface="Calibri" panose="020F0502020204030204" pitchFamily="34" charset="0"/>
               <a:cs typeface="Calibri" panose="020F0502020204030204" pitchFamily="34" charset="0"/>
             </a:endParaRPr>
